--- a/lesson-react-35-flux/react-flux.pptx
+++ b/lesson-react-35-flux/react-flux.pptx
@@ -1957,7 +1957,7 @@
           <a:noFill/>
           <a:extLst>
             <a:ext uri="{909E8E84-426E-40dd-AFC4-6F175D3DCCD1}">
-              <a14:hiddenFill xmlns="" xmlns:a14="http://schemas.microsoft.com/office/drawing/2010/main">
+              <a14:hiddenFill xmlns:a14="http://schemas.microsoft.com/office/drawing/2010/main" xmlns="">
                 <a:solidFill>
                   <a:srgbClr val="FFFFFF"/>
                 </a:solidFill>
@@ -10551,7 +10551,11 @@
               <a:t>Calls </a:t>
             </a:r>
             <a:r>
-              <a:rPr lang="en-US" dirty="0" err="1" smtClean="0"/>
+              <a:rPr lang="en-US" dirty="0" err="1" smtClean="0">
+                <a:solidFill>
+                  <a:srgbClr val="FF0000"/>
+                </a:solidFill>
+              </a:rPr>
               <a:t>this.emit</a:t>
             </a:r>
             <a:r>
@@ -10647,6 +10651,13 @@
       <p:transition/>
     </mc:Fallback>
   </mc:AlternateContent>
+  <p:timing>
+    <p:tnLst>
+      <p:par>
+        <p:cTn id="1" dur="indefinite" restart="never" nodeType="tmRoot"/>
+      </p:par>
+    </p:tnLst>
+  </p:timing>
 </p:sld>
 </file>
 
@@ -11392,6 +11403,13 @@
       <p:transition/>
     </mc:Fallback>
   </mc:AlternateContent>
+  <p:timing>
+    <p:tnLst>
+      <p:par>
+        <p:cTn id="1" dur="indefinite" restart="never" nodeType="tmRoot"/>
+      </p:par>
+    </p:tnLst>
+  </p:timing>
 </p:sld>
 </file>
 
@@ -11833,6 +11851,13 @@
       <p:transition/>
     </mc:Fallback>
   </mc:AlternateContent>
+  <p:timing>
+    <p:tnLst>
+      <p:par>
+        <p:cTn id="1" dur="indefinite" restart="never" nodeType="tmRoot"/>
+      </p:par>
+    </p:tnLst>
+  </p:timing>
 </p:sld>
 </file>
 
@@ -12405,6 +12430,13 @@
       <p:transition/>
     </mc:Fallback>
   </mc:AlternateContent>
+  <p:timing>
+    <p:tnLst>
+      <p:par>
+        <p:cTn id="1" dur="indefinite" restart="never" nodeType="tmRoot"/>
+      </p:par>
+    </p:tnLst>
+  </p:timing>
 </p:sld>
 </file>
 
@@ -12456,13 +12488,8 @@
             </a:pPr>
             <a:r>
               <a:rPr lang="en-US" dirty="0" smtClean="0"/>
-              <a:t>Modify an existing </a:t>
-            </a:r>
-            <a:r>
-              <a:rPr lang="en-US" dirty="0" smtClean="0"/>
-              <a:t>React app</a:t>
-            </a:r>
-            <a:endParaRPr lang="en-US" dirty="0" smtClean="0"/>
+              <a:t>Modify an existing React app</a:t>
+            </a:r>
           </a:p>
           <a:p>
             <a:pPr marL="631825" lvl="1" indent="-342900">
@@ -12640,6 +12667,13 @@
       <p:transition/>
     </mc:Fallback>
   </mc:AlternateContent>
+  <p:timing>
+    <p:tnLst>
+      <p:par>
+        <p:cTn id="1" dur="indefinite" restart="never" nodeType="tmRoot"/>
+      </p:par>
+    </p:tnLst>
+  </p:timing>
 </p:sld>
 </file>
 
@@ -12937,6 +12971,13 @@
       <p:transition/>
     </mc:Fallback>
   </mc:AlternateContent>
+  <p:timing>
+    <p:tnLst>
+      <p:par>
+        <p:cTn id="1" dur="indefinite" restart="never" nodeType="tmRoot"/>
+      </p:par>
+    </p:tnLst>
+  </p:timing>
 </p:sld>
 </file>
 
@@ -13128,6 +13169,13 @@
       <p:transition/>
     </mc:Fallback>
   </mc:AlternateContent>
+  <p:timing>
+    <p:tnLst>
+      <p:par>
+        <p:cTn id="1" dur="indefinite" restart="never" nodeType="tmRoot"/>
+      </p:par>
+    </p:tnLst>
+  </p:timing>
 </p:sld>
 </file>
 
@@ -13436,6 +13484,13 @@
       <p:transition/>
     </mc:Fallback>
   </mc:AlternateContent>
+  <p:timing>
+    <p:tnLst>
+      <p:par>
+        <p:cTn id="1" dur="indefinite" restart="never" nodeType="tmRoot"/>
+      </p:par>
+    </p:tnLst>
+  </p:timing>
 </p:sld>
 </file>
 
@@ -14134,6 +14189,13 @@
       <p:transition/>
     </mc:Fallback>
   </mc:AlternateContent>
+  <p:timing>
+    <p:tnLst>
+      <p:par>
+        <p:cTn id="1" dur="indefinite" restart="never" nodeType="tmRoot"/>
+      </p:par>
+    </p:tnLst>
+  </p:timing>
 </p:sld>
 </file>
 
@@ -14725,6 +14787,13 @@
       <p:transition/>
     </mc:Fallback>
   </mc:AlternateContent>
+  <p:timing>
+    <p:tnLst>
+      <p:par>
+        <p:cTn id="1" dur="indefinite" restart="never" nodeType="tmRoot"/>
+      </p:par>
+    </p:tnLst>
+  </p:timing>
 </p:sld>
 </file>
 
@@ -14900,6 +14969,13 @@
       <p:transition/>
     </mc:Fallback>
   </mc:AlternateContent>
+  <p:timing>
+    <p:tnLst>
+      <p:par>
+        <p:cTn id="1" dur="indefinite" restart="never" nodeType="tmRoot"/>
+      </p:par>
+    </p:tnLst>
+  </p:timing>
 </p:sld>
 </file>
 
@@ -15462,6 +15538,13 @@
       <p:transition/>
     </mc:Fallback>
   </mc:AlternateContent>
+  <p:timing>
+    <p:tnLst>
+      <p:par>
+        <p:cTn id="1" dur="indefinite" restart="never" nodeType="tmRoot"/>
+      </p:par>
+    </p:tnLst>
+  </p:timing>
 </p:sld>
 </file>
 
@@ -16180,6 +16263,13 @@
       <p:transition/>
     </mc:Fallback>
   </mc:AlternateContent>
+  <p:timing>
+    <p:tnLst>
+      <p:par>
+        <p:cTn id="1" dur="indefinite" restart="never" nodeType="tmRoot"/>
+      </p:par>
+    </p:tnLst>
+  </p:timing>
 </p:sld>
 </file>
 
